--- a/디자인설계 및 조사분석.pptx
+++ b/디자인설계 및 조사분석.pptx
@@ -3110,7 +3110,11 @@
           <a:bodyPr/>
           <a:lstStyle/>
           <a:p>
-            <a:endParaRPr lang="ko-KR" altLang="en-US"/>
+            <a:r>
+              <a:rPr lang="ko-KR" altLang="en-US" dirty="0" err="1" smtClean="0"/>
+              <a:t>ㅁㅁㄴㄴ</a:t>
+            </a:r>
+            <a:endParaRPr lang="ko-KR" altLang="en-US" dirty="0"/>
           </a:p>
         </p:txBody>
       </p:sp>
@@ -3129,7 +3133,11 @@
           <a:bodyPr/>
           <a:lstStyle/>
           <a:p>
-            <a:endParaRPr lang="ko-KR" altLang="en-US"/>
+            <a:r>
+              <a:rPr lang="ko-KR" altLang="en-US" dirty="0" err="1" smtClean="0"/>
+              <a:t>ㅁㄴㅇㅁㄴㅇ</a:t>
+            </a:r>
+            <a:endParaRPr lang="ko-KR" altLang="en-US" dirty="0"/>
           </a:p>
         </p:txBody>
       </p:sp>
